--- a/BUPT QUA报告汇总 v2.0 刘浩.pptx
+++ b/BUPT QUA报告汇总 v2.0 刘浩.pptx
@@ -267,7 +267,7 @@
             <a:fld id="{0EC99F8F-BC51-42EE-BF8E-D3BBFCBAD529}" type="datetimeFigureOut">
               <a:rPr lang="zh-CN" altLang="en-US" smtClean="0"/>
               <a:pPr/>
-              <a:t>2014/10/29</a:t>
+              <a:t>2014/10/30</a:t>
             </a:fld>
             <a:endParaRPr lang="zh-CN" altLang="en-US"/>
           </a:p>
@@ -434,7 +434,7 @@
             <a:fld id="{1A2C01CB-0DA5-4F2E-96A0-68A2E713699B}" type="datetimeFigureOut">
               <a:rPr lang="zh-CN" altLang="en-US" smtClean="0"/>
               <a:pPr/>
-              <a:t>2014/10/29</a:t>
+              <a:t>2014/10/30</a:t>
             </a:fld>
             <a:endParaRPr lang="zh-CN" altLang="en-US"/>
           </a:p>
@@ -3032,7 +3032,7 @@
               <a:pPr>
                 <a:defRPr/>
               </a:pPr>
-              <a:t>2014/10/29</a:t>
+              <a:t>2014/10/30</a:t>
             </a:fld>
             <a:endParaRPr lang="en-US" altLang="zh-CN">
               <a:solidFill>
@@ -3223,7 +3223,7 @@
               <a:pPr>
                 <a:defRPr/>
               </a:pPr>
-              <a:t>2014/10/29</a:t>
+              <a:t>2014/10/30</a:t>
             </a:fld>
             <a:endParaRPr lang="en-US" altLang="zh-CN">
               <a:solidFill>
@@ -3424,7 +3424,7 @@
               <a:pPr>
                 <a:defRPr/>
               </a:pPr>
-              <a:t>2014/10/29</a:t>
+              <a:t>2014/10/30</a:t>
             </a:fld>
             <a:endParaRPr lang="en-US" altLang="zh-CN">
               <a:solidFill>
@@ -3615,7 +3615,7 @@
               <a:pPr>
                 <a:defRPr/>
               </a:pPr>
-              <a:t>2014/10/29</a:t>
+              <a:t>2014/10/30</a:t>
             </a:fld>
             <a:endParaRPr lang="en-US" altLang="zh-CN">
               <a:solidFill>
@@ -3828,7 +3828,7 @@
               <a:pPr>
                 <a:defRPr/>
               </a:pPr>
-              <a:t>2014/10/29</a:t>
+              <a:t>2014/10/30</a:t>
             </a:fld>
             <a:endParaRPr lang="en-US" altLang="zh-CN">
               <a:solidFill>
@@ -4137,7 +4137,7 @@
               <a:pPr>
                 <a:defRPr/>
               </a:pPr>
-              <a:t>2014/10/29</a:t>
+              <a:t>2014/10/30</a:t>
             </a:fld>
             <a:endParaRPr lang="en-US" altLang="zh-CN">
               <a:solidFill>
@@ -4585,7 +4585,7 @@
               <a:pPr>
                 <a:defRPr/>
               </a:pPr>
-              <a:t>2014/10/29</a:t>
+              <a:t>2014/10/30</a:t>
             </a:fld>
             <a:endParaRPr lang="en-US" altLang="zh-CN">
               <a:solidFill>
@@ -4724,7 +4724,7 @@
               <a:pPr>
                 <a:defRPr/>
               </a:pPr>
-              <a:t>2014/10/29</a:t>
+              <a:t>2014/10/30</a:t>
             </a:fld>
             <a:endParaRPr lang="en-US" altLang="zh-CN">
               <a:solidFill>
@@ -4840,7 +4840,7 @@
               <a:pPr>
                 <a:defRPr/>
               </a:pPr>
-              <a:t>2014/10/29</a:t>
+              <a:t>2014/10/30</a:t>
             </a:fld>
             <a:endParaRPr lang="en-US" altLang="zh-CN">
               <a:solidFill>
@@ -5138,7 +5138,7 @@
               <a:pPr>
                 <a:defRPr/>
               </a:pPr>
-              <a:t>2014/10/29</a:t>
+              <a:t>2014/10/30</a:t>
             </a:fld>
             <a:endParaRPr lang="en-US" altLang="zh-CN">
               <a:solidFill>
@@ -5416,7 +5416,7 @@
               <a:pPr>
                 <a:defRPr/>
               </a:pPr>
-              <a:t>2014/10/29</a:t>
+              <a:t>2014/10/30</a:t>
             </a:fld>
             <a:endParaRPr lang="en-US" altLang="zh-CN">
               <a:solidFill>
@@ -5928,7 +5928,7 @@
                 </a:spcAft>
                 <a:defRPr/>
               </a:pPr>
-              <a:t>2014/10/29</a:t>
+              <a:t>2014/10/30</a:t>
             </a:fld>
             <a:endParaRPr lang="en-US" altLang="zh-CN">
               <a:solidFill>
@@ -7056,7 +7056,7 @@
                 <a:latin typeface="Times New Roman" pitchFamily="18" charset="0"/>
               </a:rPr>
               <a:pPr/>
-              <a:t>2014/10/29</a:t>
+              <a:t>2014/10/30</a:t>
             </a:fld>
             <a:endParaRPr lang="en-US" altLang="zh-CN" sz="1400" b="0" smtClean="0">
               <a:solidFill>
@@ -7417,7 +7417,7 @@
               <a:pPr>
                 <a:defRPr/>
               </a:pPr>
-              <a:t>2014/10/29</a:t>
+              <a:t>2014/10/30</a:t>
             </a:fld>
             <a:endParaRPr lang="en-US" altLang="zh-CN" dirty="0">
               <a:solidFill>
@@ -8989,7 +8989,7 @@
               <a:pPr>
                 <a:defRPr/>
               </a:pPr>
-              <a:t>2014/10/29</a:t>
+              <a:t>2014/10/30</a:t>
             </a:fld>
             <a:endParaRPr lang="en-US" altLang="zh-CN">
               <a:solidFill>
@@ -9837,12 +9837,12 @@
           <a:graphicData uri="http://schemas.openxmlformats.org/presentationml/2006/ole">
             <mc:AlternateContent xmlns:mc="http://schemas.openxmlformats.org/markup-compatibility/2006">
               <mc:Choice xmlns:v="urn:schemas-microsoft-com:vml" Requires="v">
-                <p:oleObj spid="_x0000_s109633" name="Visio" r:id="rId4" imgW="5343500" imgH="3905385" progId="Visio.Drawing.15">
+                <p:oleObj spid="_x0000_s109634" name="Visio" r:id="rId5" imgW="5343500" imgH="3905385" progId="Visio.Drawing.15">
                   <p:embed/>
                 </p:oleObj>
               </mc:Choice>
               <mc:Fallback>
-                <p:oleObj name="Visio" r:id="rId4" imgW="5343500" imgH="3905385" progId="Visio.Drawing.15">
+                <p:oleObj name="Visio" r:id="rId5" imgW="5343500" imgH="3905385" progId="Visio.Drawing.15">
                   <p:embed/>
                   <p:pic>
                     <p:nvPicPr>
@@ -9853,7 +9853,7 @@
                       <p:nvPr/>
                     </p:nvPicPr>
                     <p:blipFill>
-                      <a:blip r:embed="rId5">
+                      <a:blip r:embed="rId6">
                         <a:extLst>
                           <a:ext uri="{28A0092B-C50C-407E-A947-70E740481C1C}">
                             <a14:useLocalDpi xmlns:a14="http://schemas.microsoft.com/office/drawing/2010/main" val="0"/>
@@ -11101,12 +11101,12 @@
           <a:graphicData uri="http://schemas.openxmlformats.org/presentationml/2006/ole">
             <mc:AlternateContent xmlns:mc="http://schemas.openxmlformats.org/markup-compatibility/2006">
               <mc:Choice xmlns:v="urn:schemas-microsoft-com:vml" Requires="v">
-                <p:oleObj spid="_x0000_s110657" name="Visio" r:id="rId7" imgW="5257800" imgH="2600325" progId="Visio.Drawing.15">
+                <p:oleObj spid="_x0000_s110658" name="Visio" r:id="rId8" imgW="5257800" imgH="2600325" progId="Visio.Drawing.15">
                   <p:embed/>
                 </p:oleObj>
               </mc:Choice>
               <mc:Fallback>
-                <p:oleObj name="Visio" r:id="rId7" imgW="5257800" imgH="2600325" progId="Visio.Drawing.15">
+                <p:oleObj name="Visio" r:id="rId8" imgW="5257800" imgH="2600325" progId="Visio.Drawing.15">
                   <p:embed/>
                   <p:pic>
                     <p:nvPicPr>
@@ -11117,7 +11117,7 @@
                       <p:nvPr/>
                     </p:nvPicPr>
                     <p:blipFill>
-                      <a:blip r:embed="rId8"/>
+                      <a:blip r:embed="rId9"/>
                       <a:srcRect/>
                       <a:stretch>
                         <a:fillRect/>
@@ -17213,7 +17213,7 @@
                 <a:latin typeface="Times New Roman" pitchFamily="18" charset="0"/>
               </a:rPr>
               <a:pPr/>
-              <a:t>2014/10/29</a:t>
+              <a:t>2014/10/30</a:t>
             </a:fld>
             <a:endParaRPr lang="en-US" altLang="zh-CN" sz="1400" b="0" smtClean="0">
               <a:latin typeface="Times New Roman" pitchFamily="18" charset="0"/>
@@ -17510,11 +17510,7 @@
             </a:r>
             <a:r>
               <a:rPr lang="en-US" altLang="zh-CN" sz="2400" b="0" dirty="0" smtClean="0"/>
-              <a:t> of</a:t>
-            </a:r>
-            <a:r>
-              <a:rPr lang="en-US" altLang="zh-CN" sz="2400" b="0" dirty="0" smtClean="0"/>
-              <a:t> DASH</a:t>
+              <a:t> of DASH</a:t>
             </a:r>
           </a:p>
           <a:p>
@@ -17529,11 +17525,7 @@
             </a:pPr>
             <a:r>
               <a:rPr lang="en-US" altLang="zh-CN" sz="1800" b="0" dirty="0" smtClean="0"/>
-              <a:t>		</a:t>
-            </a:r>
-            <a:r>
-              <a:rPr lang="en-US" altLang="zh-CN" sz="1800" b="0" dirty="0" smtClean="0"/>
-              <a:t>- Propose </a:t>
+              <a:t>		- Propose </a:t>
             </a:r>
             <a:r>
               <a:rPr lang="en-US" altLang="zh-CN" sz="1800" b="0" dirty="0" err="1"/>
@@ -17566,7 +17558,6 @@
               <a:rPr lang="en-US" altLang="zh-CN" sz="1800" b="0" dirty="0" smtClean="0"/>
               <a:t>Effects</a:t>
             </a:r>
-            <a:endParaRPr lang="en-US" altLang="zh-CN" sz="1800" b="0" dirty="0" smtClean="0"/>
           </a:p>
           <a:p>
             <a:pPr marL="538163">
@@ -17627,11 +17618,7 @@
             </a:r>
             <a:r>
               <a:rPr lang="en-US" altLang="zh-CN" sz="1800" b="0" dirty="0" smtClean="0"/>
-              <a:t>analysis</a:t>
-            </a:r>
-            <a:r>
-              <a:rPr lang="en-US" altLang="zh-CN" sz="1800" b="0" dirty="0" smtClean="0"/>
-              <a:t>	</a:t>
+              <a:t>analysis	</a:t>
             </a:r>
           </a:p>
           <a:p>
@@ -17647,19 +17634,7 @@
             </a:pPr>
             <a:r>
               <a:rPr lang="en-US" altLang="zh-CN" sz="2400" b="0" dirty="0" smtClean="0"/>
-              <a:t>Validation</a:t>
-            </a:r>
-            <a:r>
-              <a:rPr lang="en-US" altLang="zh-CN" sz="2400" b="0" dirty="0" smtClean="0"/>
-              <a:t> </a:t>
-            </a:r>
-            <a:r>
-              <a:rPr lang="en-US" altLang="zh-CN" sz="2400" b="0" dirty="0" smtClean="0"/>
-              <a:t>on DASH </a:t>
-            </a:r>
-            <a:r>
-              <a:rPr lang="en-US" altLang="zh-CN" sz="2400" b="0" dirty="0" smtClean="0"/>
-              <a:t>Service </a:t>
+              <a:t>Validation on DASH Service </a:t>
             </a:r>
             <a:r>
               <a:rPr lang="en-US" altLang="zh-CN" sz="2400" b="0" dirty="0" err="1" smtClean="0"/>
@@ -17721,11 +17696,7 @@
             </a:pPr>
             <a:r>
               <a:rPr lang="en-US" altLang="zh-CN" sz="1800" b="0" dirty="0" smtClean="0"/>
-              <a:t>		- </a:t>
-            </a:r>
-            <a:r>
-              <a:rPr lang="en-US" altLang="zh-CN" sz="1800" b="0" dirty="0" smtClean="0"/>
-              <a:t>Propose </a:t>
+              <a:t>		- Propose </a:t>
             </a:r>
             <a:r>
               <a:rPr lang="en-US" altLang="zh-CN" sz="1800" b="0" dirty="0" err="1" smtClean="0"/>
@@ -17733,11 +17704,7 @@
             </a:r>
             <a:r>
               <a:rPr lang="en-US" altLang="zh-CN" sz="1800" b="0" dirty="0" smtClean="0"/>
-              <a:t> Model </a:t>
-            </a:r>
-            <a:r>
-              <a:rPr lang="en-US" altLang="zh-CN" sz="1800" b="0" dirty="0" smtClean="0"/>
-              <a:t>in 2 ways: non-linear regression and machine</a:t>
+              <a:t> Model in 2 ways: non-linear regression and machine</a:t>
             </a:r>
           </a:p>
           <a:p>
@@ -17754,7 +17721,6 @@
               <a:rPr lang="en-US" altLang="zh-CN" sz="1800" b="0" dirty="0" smtClean="0"/>
               <a:t>learning</a:t>
             </a:r>
-            <a:endParaRPr lang="en-US" altLang="zh-CN" sz="1800" b="0" dirty="0" smtClean="0"/>
           </a:p>
           <a:p>
             <a:pPr>
@@ -17775,7 +17741,6 @@
               <a:rPr lang="en-US" altLang="zh-CN" sz="2400" b="0" dirty="0" smtClean="0"/>
               <a:t>for DASH </a:t>
             </a:r>
-            <a:endParaRPr lang="en-US" altLang="zh-CN" sz="2400" b="0" dirty="0" smtClean="0"/>
           </a:p>
           <a:p>
             <a:pPr>
@@ -17789,11 +17754,7 @@
             </a:pPr>
             <a:r>
               <a:rPr lang="en-US" altLang="zh-CN" sz="1800" b="0" dirty="0"/>
-              <a:t>		- </a:t>
-            </a:r>
-            <a:r>
-              <a:rPr lang="en-US" altLang="zh-CN" sz="1800" b="0" dirty="0"/>
-              <a:t>Propose a </a:t>
+              <a:t>		- Propose a </a:t>
             </a:r>
             <a:r>
               <a:rPr lang="en-US" altLang="zh-CN" sz="1800" b="0" dirty="0" err="1"/>
@@ -19517,7 +19478,7 @@
               <a:pPr>
                 <a:defRPr/>
               </a:pPr>
-              <a:t>2014/10/29</a:t>
+              <a:t>2014/10/30</a:t>
             </a:fld>
             <a:endParaRPr lang="en-US" altLang="zh-CN" dirty="0">
               <a:solidFill>
@@ -21208,7 +21169,7 @@
           <a:graphicData uri="http://schemas.openxmlformats.org/presentationml/2006/ole">
             <mc:AlternateContent xmlns:mc="http://schemas.openxmlformats.org/markup-compatibility/2006">
               <mc:Choice xmlns:v="urn:schemas-microsoft-com:vml" Requires="v">
-                <p:oleObj spid="_x0000_s112669" name="Equation" r:id="rId4" imgW="3695700" imgH="266700" progId="">
+                <p:oleObj spid="_x0000_s112670" name="Equation" r:id="rId4" imgW="3695700" imgH="266700" progId="">
                   <p:embed/>
                 </p:oleObj>
               </mc:Choice>
@@ -21592,7 +21553,7 @@
           <a:graphicData uri="http://schemas.openxmlformats.org/presentationml/2006/ole">
             <mc:AlternateContent xmlns:mc="http://schemas.openxmlformats.org/markup-compatibility/2006">
               <mc:Choice xmlns:v="urn:schemas-microsoft-com:vml" Requires="v">
-                <p:oleObj spid="_x0000_s108665" name="公式" r:id="rId4" imgW="4483080" imgH="279360" progId="Equation.3">
+                <p:oleObj spid="_x0000_s108667" name="公式" r:id="rId4" imgW="4483080" imgH="279360" progId="Equation.3">
                   <p:embed/>
                 </p:oleObj>
               </mc:Choice>
@@ -21682,7 +21643,7 @@
           <a:graphicData uri="http://schemas.openxmlformats.org/presentationml/2006/ole">
             <mc:AlternateContent xmlns:mc="http://schemas.openxmlformats.org/markup-compatibility/2006">
               <mc:Choice xmlns:v="urn:schemas-microsoft-com:vml" Requires="v">
-                <p:oleObj spid="_x0000_s108666" name="公式" r:id="rId7" imgW="1460160" imgH="1091880" progId="Equation.3">
+                <p:oleObj spid="_x0000_s108668" name="公式" r:id="rId7" imgW="1460160" imgH="1091880" progId="Equation.3">
                   <p:embed/>
                 </p:oleObj>
               </mc:Choice>
@@ -21828,7 +21789,7 @@
               <a:pPr>
                 <a:defRPr/>
               </a:pPr>
-              <a:t>2014/10/29</a:t>
+              <a:t>2014/10/30</a:t>
             </a:fld>
             <a:endParaRPr lang="en-US" altLang="zh-CN">
               <a:solidFill>
@@ -24210,7 +24171,7 @@
               <a:pPr>
                 <a:defRPr/>
               </a:pPr>
-              <a:t>2014/10/29</a:t>
+              <a:t>2014/10/30</a:t>
             </a:fld>
             <a:endParaRPr lang="en-US" altLang="zh-CN">
               <a:solidFill>
